--- a/ppt 16-9/1000.信心的赞美.pptx
+++ b/ppt 16-9/1000.信心的赞美.pptx
@@ -129,7 +129,7 @@
           <p:cNvPr id="2" name="标题 1">
             <a:extLst>
               <a:ext uri="{FF2B5EF4-FFF2-40B4-BE49-F238E27FC236}">
-                <a16:creationId xmlns:a16="http://schemas.microsoft.com/office/drawing/2014/main" id="{646F1B12-053A-A5AF-BA37-79FE377ABB3A}"/>
+                <a16:creationId xmlns:a16="http://schemas.microsoft.com/office/drawing/2014/main" id="{667ACAE9-8527-6CE5-C224-F299E4E6BEC9}"/>
               </a:ext>
             </a:extLst>
           </p:cNvPr>
@@ -166,7 +166,7 @@
           <p:cNvPr id="3" name="副标题 2">
             <a:extLst>
               <a:ext uri="{FF2B5EF4-FFF2-40B4-BE49-F238E27FC236}">
-                <a16:creationId xmlns:a16="http://schemas.microsoft.com/office/drawing/2014/main" id="{6A1D21D6-45F8-0FAE-AA14-E28A89663C0B}"/>
+                <a16:creationId xmlns:a16="http://schemas.microsoft.com/office/drawing/2014/main" id="{6D137C86-DB3C-DEC2-F640-64F1F5C0E7FA}"/>
               </a:ext>
             </a:extLst>
           </p:cNvPr>
@@ -236,7 +236,7 @@
           <p:cNvPr id="4" name="日期占位符 3">
             <a:extLst>
               <a:ext uri="{FF2B5EF4-FFF2-40B4-BE49-F238E27FC236}">
-                <a16:creationId xmlns:a16="http://schemas.microsoft.com/office/drawing/2014/main" id="{73031B19-D658-BCA1-A9EA-36910F65E55D}"/>
+                <a16:creationId xmlns:a16="http://schemas.microsoft.com/office/drawing/2014/main" id="{2BB3C027-B52C-B579-1748-80561446DC82}"/>
               </a:ext>
             </a:extLst>
           </p:cNvPr>
@@ -252,7 +252,7 @@
           <a:bodyPr/>
           <a:lstStyle/>
           <a:p>
-            <a:fld id="{883EB93C-23C2-4470-9FB2-63771CEAB9DE}" type="datetimeFigureOut">
+            <a:fld id="{BC571F25-176B-44DB-9698-091DF6CAD952}" type="datetimeFigureOut">
               <a:rPr lang="zh-CN" altLang="en-US" smtClean="0"/>
               <a:t>2024/3/10</a:t>
             </a:fld>
@@ -265,7 +265,7 @@
           <p:cNvPr id="5" name="页脚占位符 4">
             <a:extLst>
               <a:ext uri="{FF2B5EF4-FFF2-40B4-BE49-F238E27FC236}">
-                <a16:creationId xmlns:a16="http://schemas.microsoft.com/office/drawing/2014/main" id="{FF964DD2-E429-4839-132F-79A97BFB065F}"/>
+                <a16:creationId xmlns:a16="http://schemas.microsoft.com/office/drawing/2014/main" id="{AB9D252F-CDBA-CB30-72C2-D860CA3C1397}"/>
               </a:ext>
             </a:extLst>
           </p:cNvPr>
@@ -290,7 +290,7 @@
           <p:cNvPr id="6" name="灯片编号占位符 5">
             <a:extLst>
               <a:ext uri="{FF2B5EF4-FFF2-40B4-BE49-F238E27FC236}">
-                <a16:creationId xmlns:a16="http://schemas.microsoft.com/office/drawing/2014/main" id="{82E5658C-152E-C945-8EC9-B0D0F0459220}"/>
+                <a16:creationId xmlns:a16="http://schemas.microsoft.com/office/drawing/2014/main" id="{EF56C4E8-6DB3-55E4-1F6C-11E0DD6ECF2C}"/>
               </a:ext>
             </a:extLst>
           </p:cNvPr>
@@ -306,7 +306,7 @@
           <a:bodyPr/>
           <a:lstStyle/>
           <a:p>
-            <a:fld id="{97D54A3D-C85B-49F1-B5D6-626895737F6B}" type="slidenum">
+            <a:fld id="{17AEB14E-D84C-4C4F-9B32-DEB81BFF8D08}" type="slidenum">
               <a:rPr lang="zh-CN" altLang="en-US" smtClean="0"/>
               <a:t>‹#›</a:t>
             </a:fld>
@@ -317,7 +317,7 @@
     </p:spTree>
     <p:extLst>
       <p:ext uri="{BB962C8B-B14F-4D97-AF65-F5344CB8AC3E}">
-        <p14:creationId xmlns:p14="http://schemas.microsoft.com/office/powerpoint/2010/main" val="2822358021"/>
+        <p14:creationId xmlns:p14="http://schemas.microsoft.com/office/powerpoint/2010/main" val="291668410"/>
       </p:ext>
     </p:extLst>
   </p:cSld>
@@ -349,7 +349,7 @@
           <p:cNvPr id="2" name="标题 1">
             <a:extLst>
               <a:ext uri="{FF2B5EF4-FFF2-40B4-BE49-F238E27FC236}">
-                <a16:creationId xmlns:a16="http://schemas.microsoft.com/office/drawing/2014/main" id="{F94AC7DA-0D5E-74F6-3DB3-20910EA1B561}"/>
+                <a16:creationId xmlns:a16="http://schemas.microsoft.com/office/drawing/2014/main" id="{C137C324-E9C7-8998-19DA-2782BD098F1E}"/>
               </a:ext>
             </a:extLst>
           </p:cNvPr>
@@ -377,7 +377,7 @@
           <p:cNvPr id="3" name="竖排文字占位符 2">
             <a:extLst>
               <a:ext uri="{FF2B5EF4-FFF2-40B4-BE49-F238E27FC236}">
-                <a16:creationId xmlns:a16="http://schemas.microsoft.com/office/drawing/2014/main" id="{F4702BED-47EB-6268-CC9E-A231AC64418E}"/>
+                <a16:creationId xmlns:a16="http://schemas.microsoft.com/office/drawing/2014/main" id="{113A1DDC-A894-85EB-7511-E64DE51BE970}"/>
               </a:ext>
             </a:extLst>
           </p:cNvPr>
@@ -434,7 +434,7 @@
           <p:cNvPr id="4" name="日期占位符 3">
             <a:extLst>
               <a:ext uri="{FF2B5EF4-FFF2-40B4-BE49-F238E27FC236}">
-                <a16:creationId xmlns:a16="http://schemas.microsoft.com/office/drawing/2014/main" id="{2ADF35C5-862F-A8BB-4A88-8D61150D8A27}"/>
+                <a16:creationId xmlns:a16="http://schemas.microsoft.com/office/drawing/2014/main" id="{B40702F2-1B13-AAF3-DA06-98436D00296B}"/>
               </a:ext>
             </a:extLst>
           </p:cNvPr>
@@ -450,7 +450,7 @@
           <a:bodyPr/>
           <a:lstStyle/>
           <a:p>
-            <a:fld id="{883EB93C-23C2-4470-9FB2-63771CEAB9DE}" type="datetimeFigureOut">
+            <a:fld id="{BC571F25-176B-44DB-9698-091DF6CAD952}" type="datetimeFigureOut">
               <a:rPr lang="zh-CN" altLang="en-US" smtClean="0"/>
               <a:t>2024/3/10</a:t>
             </a:fld>
@@ -463,7 +463,7 @@
           <p:cNvPr id="5" name="页脚占位符 4">
             <a:extLst>
               <a:ext uri="{FF2B5EF4-FFF2-40B4-BE49-F238E27FC236}">
-                <a16:creationId xmlns:a16="http://schemas.microsoft.com/office/drawing/2014/main" id="{5AE66219-583B-002F-5268-5ADB7852D684}"/>
+                <a16:creationId xmlns:a16="http://schemas.microsoft.com/office/drawing/2014/main" id="{F3DBF075-BC99-3BE7-C347-32107867BD6A}"/>
               </a:ext>
             </a:extLst>
           </p:cNvPr>
@@ -488,7 +488,7 @@
           <p:cNvPr id="6" name="灯片编号占位符 5">
             <a:extLst>
               <a:ext uri="{FF2B5EF4-FFF2-40B4-BE49-F238E27FC236}">
-                <a16:creationId xmlns:a16="http://schemas.microsoft.com/office/drawing/2014/main" id="{37597BE1-46A4-324B-FBB1-6AF0C5EE88D1}"/>
+                <a16:creationId xmlns:a16="http://schemas.microsoft.com/office/drawing/2014/main" id="{48DF7FBD-F8CF-AA26-7EA1-4BA53BA486AA}"/>
               </a:ext>
             </a:extLst>
           </p:cNvPr>
@@ -504,7 +504,7 @@
           <a:bodyPr/>
           <a:lstStyle/>
           <a:p>
-            <a:fld id="{97D54A3D-C85B-49F1-B5D6-626895737F6B}" type="slidenum">
+            <a:fld id="{17AEB14E-D84C-4C4F-9B32-DEB81BFF8D08}" type="slidenum">
               <a:rPr lang="zh-CN" altLang="en-US" smtClean="0"/>
               <a:t>‹#›</a:t>
             </a:fld>
@@ -515,7 +515,7 @@
     </p:spTree>
     <p:extLst>
       <p:ext uri="{BB962C8B-B14F-4D97-AF65-F5344CB8AC3E}">
-        <p14:creationId xmlns:p14="http://schemas.microsoft.com/office/powerpoint/2010/main" val="736439349"/>
+        <p14:creationId xmlns:p14="http://schemas.microsoft.com/office/powerpoint/2010/main" val="1607050816"/>
       </p:ext>
     </p:extLst>
   </p:cSld>
@@ -547,7 +547,7 @@
           <p:cNvPr id="2" name="竖排标题 1">
             <a:extLst>
               <a:ext uri="{FF2B5EF4-FFF2-40B4-BE49-F238E27FC236}">
-                <a16:creationId xmlns:a16="http://schemas.microsoft.com/office/drawing/2014/main" id="{7AB28746-47AB-32BB-3727-32823839B434}"/>
+                <a16:creationId xmlns:a16="http://schemas.microsoft.com/office/drawing/2014/main" id="{E01B8497-9281-FD1D-BF79-6216468D9719}"/>
               </a:ext>
             </a:extLst>
           </p:cNvPr>
@@ -580,7 +580,7 @@
           <p:cNvPr id="3" name="竖排文字占位符 2">
             <a:extLst>
               <a:ext uri="{FF2B5EF4-FFF2-40B4-BE49-F238E27FC236}">
-                <a16:creationId xmlns:a16="http://schemas.microsoft.com/office/drawing/2014/main" id="{1C8B4139-009F-8AC4-1B58-D6031FD6ABC5}"/>
+                <a16:creationId xmlns:a16="http://schemas.microsoft.com/office/drawing/2014/main" id="{810B1EFF-436F-0639-7C58-0E9BCD8B21EF}"/>
               </a:ext>
             </a:extLst>
           </p:cNvPr>
@@ -642,7 +642,7 @@
           <p:cNvPr id="4" name="日期占位符 3">
             <a:extLst>
               <a:ext uri="{FF2B5EF4-FFF2-40B4-BE49-F238E27FC236}">
-                <a16:creationId xmlns:a16="http://schemas.microsoft.com/office/drawing/2014/main" id="{E2D7DD71-5DBA-4552-3B6C-82284A39C93C}"/>
+                <a16:creationId xmlns:a16="http://schemas.microsoft.com/office/drawing/2014/main" id="{64E77131-E9F6-AD82-7E3E-F8FDCFB1043B}"/>
               </a:ext>
             </a:extLst>
           </p:cNvPr>
@@ -658,7 +658,7 @@
           <a:bodyPr/>
           <a:lstStyle/>
           <a:p>
-            <a:fld id="{883EB93C-23C2-4470-9FB2-63771CEAB9DE}" type="datetimeFigureOut">
+            <a:fld id="{BC571F25-176B-44DB-9698-091DF6CAD952}" type="datetimeFigureOut">
               <a:rPr lang="zh-CN" altLang="en-US" smtClean="0"/>
               <a:t>2024/3/10</a:t>
             </a:fld>
@@ -671,7 +671,7 @@
           <p:cNvPr id="5" name="页脚占位符 4">
             <a:extLst>
               <a:ext uri="{FF2B5EF4-FFF2-40B4-BE49-F238E27FC236}">
-                <a16:creationId xmlns:a16="http://schemas.microsoft.com/office/drawing/2014/main" id="{D168C06A-22BF-911D-B39B-B5AEF2FA7687}"/>
+                <a16:creationId xmlns:a16="http://schemas.microsoft.com/office/drawing/2014/main" id="{08DB73D4-DD63-250D-A3A8-46524F9B68FF}"/>
               </a:ext>
             </a:extLst>
           </p:cNvPr>
@@ -696,7 +696,7 @@
           <p:cNvPr id="6" name="灯片编号占位符 5">
             <a:extLst>
               <a:ext uri="{FF2B5EF4-FFF2-40B4-BE49-F238E27FC236}">
-                <a16:creationId xmlns:a16="http://schemas.microsoft.com/office/drawing/2014/main" id="{CE7C8DB9-801C-25DC-C39A-0F2D33858BE6}"/>
+                <a16:creationId xmlns:a16="http://schemas.microsoft.com/office/drawing/2014/main" id="{344672BE-6C7E-D258-D628-51703389B0F2}"/>
               </a:ext>
             </a:extLst>
           </p:cNvPr>
@@ -712,7 +712,7 @@
           <a:bodyPr/>
           <a:lstStyle/>
           <a:p>
-            <a:fld id="{97D54A3D-C85B-49F1-B5D6-626895737F6B}" type="slidenum">
+            <a:fld id="{17AEB14E-D84C-4C4F-9B32-DEB81BFF8D08}" type="slidenum">
               <a:rPr lang="zh-CN" altLang="en-US" smtClean="0"/>
               <a:t>‹#›</a:t>
             </a:fld>
@@ -723,7 +723,7 @@
     </p:spTree>
     <p:extLst>
       <p:ext uri="{BB962C8B-B14F-4D97-AF65-F5344CB8AC3E}">
-        <p14:creationId xmlns:p14="http://schemas.microsoft.com/office/powerpoint/2010/main" val="1913814462"/>
+        <p14:creationId xmlns:p14="http://schemas.microsoft.com/office/powerpoint/2010/main" val="704952161"/>
       </p:ext>
     </p:extLst>
   </p:cSld>
@@ -755,7 +755,7 @@
           <p:cNvPr id="2" name="标题 1">
             <a:extLst>
               <a:ext uri="{FF2B5EF4-FFF2-40B4-BE49-F238E27FC236}">
-                <a16:creationId xmlns:a16="http://schemas.microsoft.com/office/drawing/2014/main" id="{5636711A-DADB-D683-A406-12AF8E12A667}"/>
+                <a16:creationId xmlns:a16="http://schemas.microsoft.com/office/drawing/2014/main" id="{7EED1C8A-F627-F5B9-276D-0440D6F10713}"/>
               </a:ext>
             </a:extLst>
           </p:cNvPr>
@@ -783,7 +783,7 @@
           <p:cNvPr id="3" name="内容占位符 2">
             <a:extLst>
               <a:ext uri="{FF2B5EF4-FFF2-40B4-BE49-F238E27FC236}">
-                <a16:creationId xmlns:a16="http://schemas.microsoft.com/office/drawing/2014/main" id="{03EBE602-928B-CD4A-84DA-26E35253BE57}"/>
+                <a16:creationId xmlns:a16="http://schemas.microsoft.com/office/drawing/2014/main" id="{951A1032-248F-EA76-ABAC-135AA28CD0CE}"/>
               </a:ext>
             </a:extLst>
           </p:cNvPr>
@@ -840,7 +840,7 @@
           <p:cNvPr id="4" name="日期占位符 3">
             <a:extLst>
               <a:ext uri="{FF2B5EF4-FFF2-40B4-BE49-F238E27FC236}">
-                <a16:creationId xmlns:a16="http://schemas.microsoft.com/office/drawing/2014/main" id="{BFA81E70-B568-5070-90DD-4B5CD4D8018E}"/>
+                <a16:creationId xmlns:a16="http://schemas.microsoft.com/office/drawing/2014/main" id="{97B93A6A-69B7-22CF-69F1-33754256F331}"/>
               </a:ext>
             </a:extLst>
           </p:cNvPr>
@@ -856,7 +856,7 @@
           <a:bodyPr/>
           <a:lstStyle/>
           <a:p>
-            <a:fld id="{883EB93C-23C2-4470-9FB2-63771CEAB9DE}" type="datetimeFigureOut">
+            <a:fld id="{BC571F25-176B-44DB-9698-091DF6CAD952}" type="datetimeFigureOut">
               <a:rPr lang="zh-CN" altLang="en-US" smtClean="0"/>
               <a:t>2024/3/10</a:t>
             </a:fld>
@@ -869,7 +869,7 @@
           <p:cNvPr id="5" name="页脚占位符 4">
             <a:extLst>
               <a:ext uri="{FF2B5EF4-FFF2-40B4-BE49-F238E27FC236}">
-                <a16:creationId xmlns:a16="http://schemas.microsoft.com/office/drawing/2014/main" id="{74EF4A14-059F-C07B-E6BC-21946B161C60}"/>
+                <a16:creationId xmlns:a16="http://schemas.microsoft.com/office/drawing/2014/main" id="{A33A86F7-7DF0-B540-F7A3-20C1D4E9F566}"/>
               </a:ext>
             </a:extLst>
           </p:cNvPr>
@@ -894,7 +894,7 @@
           <p:cNvPr id="6" name="灯片编号占位符 5">
             <a:extLst>
               <a:ext uri="{FF2B5EF4-FFF2-40B4-BE49-F238E27FC236}">
-                <a16:creationId xmlns:a16="http://schemas.microsoft.com/office/drawing/2014/main" id="{E9E4C482-361A-1FAA-9EAA-8E1D2A94E1C5}"/>
+                <a16:creationId xmlns:a16="http://schemas.microsoft.com/office/drawing/2014/main" id="{BF723273-18B9-6038-4111-AFB846F0762E}"/>
               </a:ext>
             </a:extLst>
           </p:cNvPr>
@@ -910,7 +910,7 @@
           <a:bodyPr/>
           <a:lstStyle/>
           <a:p>
-            <a:fld id="{97D54A3D-C85B-49F1-B5D6-626895737F6B}" type="slidenum">
+            <a:fld id="{17AEB14E-D84C-4C4F-9B32-DEB81BFF8D08}" type="slidenum">
               <a:rPr lang="zh-CN" altLang="en-US" smtClean="0"/>
               <a:t>‹#›</a:t>
             </a:fld>
@@ -921,7 +921,7 @@
     </p:spTree>
     <p:extLst>
       <p:ext uri="{BB962C8B-B14F-4D97-AF65-F5344CB8AC3E}">
-        <p14:creationId xmlns:p14="http://schemas.microsoft.com/office/powerpoint/2010/main" val="678957387"/>
+        <p14:creationId xmlns:p14="http://schemas.microsoft.com/office/powerpoint/2010/main" val="2615613855"/>
       </p:ext>
     </p:extLst>
   </p:cSld>
@@ -953,7 +953,7 @@
           <p:cNvPr id="2" name="标题 1">
             <a:extLst>
               <a:ext uri="{FF2B5EF4-FFF2-40B4-BE49-F238E27FC236}">
-                <a16:creationId xmlns:a16="http://schemas.microsoft.com/office/drawing/2014/main" id="{4B03008D-CB8C-7BB5-D5EF-17EAF3B6F7F8}"/>
+                <a16:creationId xmlns:a16="http://schemas.microsoft.com/office/drawing/2014/main" id="{E7D9019A-A170-ACC8-052B-7D5A4DCBFB4F}"/>
               </a:ext>
             </a:extLst>
           </p:cNvPr>
@@ -990,7 +990,7 @@
           <p:cNvPr id="3" name="文本占位符 2">
             <a:extLst>
               <a:ext uri="{FF2B5EF4-FFF2-40B4-BE49-F238E27FC236}">
-                <a16:creationId xmlns:a16="http://schemas.microsoft.com/office/drawing/2014/main" id="{D71E9352-532B-0171-514C-BB1D89EFC2D7}"/>
+                <a16:creationId xmlns:a16="http://schemas.microsoft.com/office/drawing/2014/main" id="{AE1F8698-608C-FF90-5815-54623F409F1A}"/>
               </a:ext>
             </a:extLst>
           </p:cNvPr>
@@ -1115,7 +1115,7 @@
           <p:cNvPr id="4" name="日期占位符 3">
             <a:extLst>
               <a:ext uri="{FF2B5EF4-FFF2-40B4-BE49-F238E27FC236}">
-                <a16:creationId xmlns:a16="http://schemas.microsoft.com/office/drawing/2014/main" id="{164917B7-CA44-FA67-197D-4C307AA4D0A1}"/>
+                <a16:creationId xmlns:a16="http://schemas.microsoft.com/office/drawing/2014/main" id="{4B7E61B1-13A1-839A-C2C1-7DB7AC30A75E}"/>
               </a:ext>
             </a:extLst>
           </p:cNvPr>
@@ -1131,7 +1131,7 @@
           <a:bodyPr/>
           <a:lstStyle/>
           <a:p>
-            <a:fld id="{883EB93C-23C2-4470-9FB2-63771CEAB9DE}" type="datetimeFigureOut">
+            <a:fld id="{BC571F25-176B-44DB-9698-091DF6CAD952}" type="datetimeFigureOut">
               <a:rPr lang="zh-CN" altLang="en-US" smtClean="0"/>
               <a:t>2024/3/10</a:t>
             </a:fld>
@@ -1144,7 +1144,7 @@
           <p:cNvPr id="5" name="页脚占位符 4">
             <a:extLst>
               <a:ext uri="{FF2B5EF4-FFF2-40B4-BE49-F238E27FC236}">
-                <a16:creationId xmlns:a16="http://schemas.microsoft.com/office/drawing/2014/main" id="{2AAFB1F5-C2F7-3EAF-3DA2-2C81F9A0499B}"/>
+                <a16:creationId xmlns:a16="http://schemas.microsoft.com/office/drawing/2014/main" id="{0D42BA49-EF80-7D3A-3FB9-2DD1980210E2}"/>
               </a:ext>
             </a:extLst>
           </p:cNvPr>
@@ -1169,7 +1169,7 @@
           <p:cNvPr id="6" name="灯片编号占位符 5">
             <a:extLst>
               <a:ext uri="{FF2B5EF4-FFF2-40B4-BE49-F238E27FC236}">
-                <a16:creationId xmlns:a16="http://schemas.microsoft.com/office/drawing/2014/main" id="{B9C082DF-6D50-4B0B-38B1-637146CA554D}"/>
+                <a16:creationId xmlns:a16="http://schemas.microsoft.com/office/drawing/2014/main" id="{63629275-4585-63E1-F125-F240807C9353}"/>
               </a:ext>
             </a:extLst>
           </p:cNvPr>
@@ -1185,7 +1185,7 @@
           <a:bodyPr/>
           <a:lstStyle/>
           <a:p>
-            <a:fld id="{97D54A3D-C85B-49F1-B5D6-626895737F6B}" type="slidenum">
+            <a:fld id="{17AEB14E-D84C-4C4F-9B32-DEB81BFF8D08}" type="slidenum">
               <a:rPr lang="zh-CN" altLang="en-US" smtClean="0"/>
               <a:t>‹#›</a:t>
             </a:fld>
@@ -1196,7 +1196,7 @@
     </p:spTree>
     <p:extLst>
       <p:ext uri="{BB962C8B-B14F-4D97-AF65-F5344CB8AC3E}">
-        <p14:creationId xmlns:p14="http://schemas.microsoft.com/office/powerpoint/2010/main" val="3346335475"/>
+        <p14:creationId xmlns:p14="http://schemas.microsoft.com/office/powerpoint/2010/main" val="3095727788"/>
       </p:ext>
     </p:extLst>
   </p:cSld>
@@ -1228,7 +1228,7 @@
           <p:cNvPr id="2" name="标题 1">
             <a:extLst>
               <a:ext uri="{FF2B5EF4-FFF2-40B4-BE49-F238E27FC236}">
-                <a16:creationId xmlns:a16="http://schemas.microsoft.com/office/drawing/2014/main" id="{9CB76CBC-17A8-8353-1B77-72B6D457E921}"/>
+                <a16:creationId xmlns:a16="http://schemas.microsoft.com/office/drawing/2014/main" id="{227DB5BA-3AA5-86E8-0319-358E0FDDC7E6}"/>
               </a:ext>
             </a:extLst>
           </p:cNvPr>
@@ -1256,7 +1256,7 @@
           <p:cNvPr id="3" name="内容占位符 2">
             <a:extLst>
               <a:ext uri="{FF2B5EF4-FFF2-40B4-BE49-F238E27FC236}">
-                <a16:creationId xmlns:a16="http://schemas.microsoft.com/office/drawing/2014/main" id="{8011E624-6E2F-A63D-C4F9-F5C581661D1E}"/>
+                <a16:creationId xmlns:a16="http://schemas.microsoft.com/office/drawing/2014/main" id="{906669B9-F610-DCF0-8C9B-5713DCA43F13}"/>
               </a:ext>
             </a:extLst>
           </p:cNvPr>
@@ -1318,7 +1318,7 @@
           <p:cNvPr id="4" name="内容占位符 3">
             <a:extLst>
               <a:ext uri="{FF2B5EF4-FFF2-40B4-BE49-F238E27FC236}">
-                <a16:creationId xmlns:a16="http://schemas.microsoft.com/office/drawing/2014/main" id="{35CFB728-61D2-1710-D298-EEEF96778A08}"/>
+                <a16:creationId xmlns:a16="http://schemas.microsoft.com/office/drawing/2014/main" id="{619F864F-683F-879C-2416-5A97C8E483BD}"/>
               </a:ext>
             </a:extLst>
           </p:cNvPr>
@@ -1380,7 +1380,7 @@
           <p:cNvPr id="5" name="日期占位符 4">
             <a:extLst>
               <a:ext uri="{FF2B5EF4-FFF2-40B4-BE49-F238E27FC236}">
-                <a16:creationId xmlns:a16="http://schemas.microsoft.com/office/drawing/2014/main" id="{3E1A4DC8-14D6-C555-0BDF-B6C90B4A1A9E}"/>
+                <a16:creationId xmlns:a16="http://schemas.microsoft.com/office/drawing/2014/main" id="{CFBCBAB1-2EFE-AAF9-DD39-50C65F012162}"/>
               </a:ext>
             </a:extLst>
           </p:cNvPr>
@@ -1396,7 +1396,7 @@
           <a:bodyPr/>
           <a:lstStyle/>
           <a:p>
-            <a:fld id="{883EB93C-23C2-4470-9FB2-63771CEAB9DE}" type="datetimeFigureOut">
+            <a:fld id="{BC571F25-176B-44DB-9698-091DF6CAD952}" type="datetimeFigureOut">
               <a:rPr lang="zh-CN" altLang="en-US" smtClean="0"/>
               <a:t>2024/3/10</a:t>
             </a:fld>
@@ -1409,7 +1409,7 @@
           <p:cNvPr id="6" name="页脚占位符 5">
             <a:extLst>
               <a:ext uri="{FF2B5EF4-FFF2-40B4-BE49-F238E27FC236}">
-                <a16:creationId xmlns:a16="http://schemas.microsoft.com/office/drawing/2014/main" id="{2E504C4B-F03F-63FB-67C3-1FF7BA06B177}"/>
+                <a16:creationId xmlns:a16="http://schemas.microsoft.com/office/drawing/2014/main" id="{BBE9BF67-F7DC-4C4B-152F-373C54ED943B}"/>
               </a:ext>
             </a:extLst>
           </p:cNvPr>
@@ -1434,7 +1434,7 @@
           <p:cNvPr id="7" name="灯片编号占位符 6">
             <a:extLst>
               <a:ext uri="{FF2B5EF4-FFF2-40B4-BE49-F238E27FC236}">
-                <a16:creationId xmlns:a16="http://schemas.microsoft.com/office/drawing/2014/main" id="{F0EDCABC-0493-D18C-6156-028F1D0C4FE7}"/>
+                <a16:creationId xmlns:a16="http://schemas.microsoft.com/office/drawing/2014/main" id="{6D2C9CD4-0E0E-A968-196F-19D296DDEFA6}"/>
               </a:ext>
             </a:extLst>
           </p:cNvPr>
@@ -1450,7 +1450,7 @@
           <a:bodyPr/>
           <a:lstStyle/>
           <a:p>
-            <a:fld id="{97D54A3D-C85B-49F1-B5D6-626895737F6B}" type="slidenum">
+            <a:fld id="{17AEB14E-D84C-4C4F-9B32-DEB81BFF8D08}" type="slidenum">
               <a:rPr lang="zh-CN" altLang="en-US" smtClean="0"/>
               <a:t>‹#›</a:t>
             </a:fld>
@@ -1461,7 +1461,7 @@
     </p:spTree>
     <p:extLst>
       <p:ext uri="{BB962C8B-B14F-4D97-AF65-F5344CB8AC3E}">
-        <p14:creationId xmlns:p14="http://schemas.microsoft.com/office/powerpoint/2010/main" val="2816023811"/>
+        <p14:creationId xmlns:p14="http://schemas.microsoft.com/office/powerpoint/2010/main" val="3217385646"/>
       </p:ext>
     </p:extLst>
   </p:cSld>
@@ -1493,7 +1493,7 @@
           <p:cNvPr id="2" name="标题 1">
             <a:extLst>
               <a:ext uri="{FF2B5EF4-FFF2-40B4-BE49-F238E27FC236}">
-                <a16:creationId xmlns:a16="http://schemas.microsoft.com/office/drawing/2014/main" id="{AD66FCC2-7C08-CA3F-5662-C39AE63F5C25}"/>
+                <a16:creationId xmlns:a16="http://schemas.microsoft.com/office/drawing/2014/main" id="{A7132D22-95DA-9B21-52E2-5EC01ED42DBF}"/>
               </a:ext>
             </a:extLst>
           </p:cNvPr>
@@ -1526,7 +1526,7 @@
           <p:cNvPr id="3" name="文本占位符 2">
             <a:extLst>
               <a:ext uri="{FF2B5EF4-FFF2-40B4-BE49-F238E27FC236}">
-                <a16:creationId xmlns:a16="http://schemas.microsoft.com/office/drawing/2014/main" id="{FE2E992B-92F7-F790-BA9D-ADA73B3D324C}"/>
+                <a16:creationId xmlns:a16="http://schemas.microsoft.com/office/drawing/2014/main" id="{479D0E3B-4868-5BB6-ECA0-6B9B0934DF26}"/>
               </a:ext>
             </a:extLst>
           </p:cNvPr>
@@ -1597,7 +1597,7 @@
           <p:cNvPr id="4" name="内容占位符 3">
             <a:extLst>
               <a:ext uri="{FF2B5EF4-FFF2-40B4-BE49-F238E27FC236}">
-                <a16:creationId xmlns:a16="http://schemas.microsoft.com/office/drawing/2014/main" id="{EEDC1B86-C07B-16BB-1CC1-F86B208CAD0B}"/>
+                <a16:creationId xmlns:a16="http://schemas.microsoft.com/office/drawing/2014/main" id="{C23EA348-2282-6EF0-453F-7E4165CFB814}"/>
               </a:ext>
             </a:extLst>
           </p:cNvPr>
@@ -1659,7 +1659,7 @@
           <p:cNvPr id="5" name="文本占位符 4">
             <a:extLst>
               <a:ext uri="{FF2B5EF4-FFF2-40B4-BE49-F238E27FC236}">
-                <a16:creationId xmlns:a16="http://schemas.microsoft.com/office/drawing/2014/main" id="{2A6147D2-4E08-B0DD-01B3-A5EB65080D01}"/>
+                <a16:creationId xmlns:a16="http://schemas.microsoft.com/office/drawing/2014/main" id="{6D93BB6B-D77B-E0B9-23C3-AA6854476C62}"/>
               </a:ext>
             </a:extLst>
           </p:cNvPr>
@@ -1730,7 +1730,7 @@
           <p:cNvPr id="6" name="内容占位符 5">
             <a:extLst>
               <a:ext uri="{FF2B5EF4-FFF2-40B4-BE49-F238E27FC236}">
-                <a16:creationId xmlns:a16="http://schemas.microsoft.com/office/drawing/2014/main" id="{B2ABD6C4-47BF-D9FA-E375-781F586C4D66}"/>
+                <a16:creationId xmlns:a16="http://schemas.microsoft.com/office/drawing/2014/main" id="{27E64BBB-3AD5-B8FB-8B19-A154FD280186}"/>
               </a:ext>
             </a:extLst>
           </p:cNvPr>
@@ -1792,7 +1792,7 @@
           <p:cNvPr id="7" name="日期占位符 6">
             <a:extLst>
               <a:ext uri="{FF2B5EF4-FFF2-40B4-BE49-F238E27FC236}">
-                <a16:creationId xmlns:a16="http://schemas.microsoft.com/office/drawing/2014/main" id="{36D28366-0FD3-089D-A6CA-709D9F313499}"/>
+                <a16:creationId xmlns:a16="http://schemas.microsoft.com/office/drawing/2014/main" id="{E7D669C3-4AD4-F55A-1D0D-1D165D4F86B4}"/>
               </a:ext>
             </a:extLst>
           </p:cNvPr>
@@ -1808,7 +1808,7 @@
           <a:bodyPr/>
           <a:lstStyle/>
           <a:p>
-            <a:fld id="{883EB93C-23C2-4470-9FB2-63771CEAB9DE}" type="datetimeFigureOut">
+            <a:fld id="{BC571F25-176B-44DB-9698-091DF6CAD952}" type="datetimeFigureOut">
               <a:rPr lang="zh-CN" altLang="en-US" smtClean="0"/>
               <a:t>2024/3/10</a:t>
             </a:fld>
@@ -1821,7 +1821,7 @@
           <p:cNvPr id="8" name="页脚占位符 7">
             <a:extLst>
               <a:ext uri="{FF2B5EF4-FFF2-40B4-BE49-F238E27FC236}">
-                <a16:creationId xmlns:a16="http://schemas.microsoft.com/office/drawing/2014/main" id="{DABEBF4D-690A-CEEF-FDFA-5C47A8488A2A}"/>
+                <a16:creationId xmlns:a16="http://schemas.microsoft.com/office/drawing/2014/main" id="{12E50284-F9B5-1757-1D5C-0F0935740224}"/>
               </a:ext>
             </a:extLst>
           </p:cNvPr>
@@ -1846,7 +1846,7 @@
           <p:cNvPr id="9" name="灯片编号占位符 8">
             <a:extLst>
               <a:ext uri="{FF2B5EF4-FFF2-40B4-BE49-F238E27FC236}">
-                <a16:creationId xmlns:a16="http://schemas.microsoft.com/office/drawing/2014/main" id="{73D185F8-4BEF-9348-FA9C-103B401F53FC}"/>
+                <a16:creationId xmlns:a16="http://schemas.microsoft.com/office/drawing/2014/main" id="{9EDA158C-521B-F1E0-9903-40867A02FCD8}"/>
               </a:ext>
             </a:extLst>
           </p:cNvPr>
@@ -1862,7 +1862,7 @@
           <a:bodyPr/>
           <a:lstStyle/>
           <a:p>
-            <a:fld id="{97D54A3D-C85B-49F1-B5D6-626895737F6B}" type="slidenum">
+            <a:fld id="{17AEB14E-D84C-4C4F-9B32-DEB81BFF8D08}" type="slidenum">
               <a:rPr lang="zh-CN" altLang="en-US" smtClean="0"/>
               <a:t>‹#›</a:t>
             </a:fld>
@@ -1873,7 +1873,7 @@
     </p:spTree>
     <p:extLst>
       <p:ext uri="{BB962C8B-B14F-4D97-AF65-F5344CB8AC3E}">
-        <p14:creationId xmlns:p14="http://schemas.microsoft.com/office/powerpoint/2010/main" val="3354562664"/>
+        <p14:creationId xmlns:p14="http://schemas.microsoft.com/office/powerpoint/2010/main" val="2476644795"/>
       </p:ext>
     </p:extLst>
   </p:cSld>
@@ -1905,7 +1905,7 @@
           <p:cNvPr id="2" name="标题 1">
             <a:extLst>
               <a:ext uri="{FF2B5EF4-FFF2-40B4-BE49-F238E27FC236}">
-                <a16:creationId xmlns:a16="http://schemas.microsoft.com/office/drawing/2014/main" id="{92BB8E10-1C46-4BC8-4D4E-6113D15049CD}"/>
+                <a16:creationId xmlns:a16="http://schemas.microsoft.com/office/drawing/2014/main" id="{70914BA5-9086-9420-EFBF-1D8ABF36D59C}"/>
               </a:ext>
             </a:extLst>
           </p:cNvPr>
@@ -1933,7 +1933,7 @@
           <p:cNvPr id="3" name="日期占位符 2">
             <a:extLst>
               <a:ext uri="{FF2B5EF4-FFF2-40B4-BE49-F238E27FC236}">
-                <a16:creationId xmlns:a16="http://schemas.microsoft.com/office/drawing/2014/main" id="{0A683144-D51E-B743-9C5B-F4EDA1C81F08}"/>
+                <a16:creationId xmlns:a16="http://schemas.microsoft.com/office/drawing/2014/main" id="{8E6C0B0B-509E-1BB9-4ABC-8692B6F3FB34}"/>
               </a:ext>
             </a:extLst>
           </p:cNvPr>
@@ -1949,7 +1949,7 @@
           <a:bodyPr/>
           <a:lstStyle/>
           <a:p>
-            <a:fld id="{883EB93C-23C2-4470-9FB2-63771CEAB9DE}" type="datetimeFigureOut">
+            <a:fld id="{BC571F25-176B-44DB-9698-091DF6CAD952}" type="datetimeFigureOut">
               <a:rPr lang="zh-CN" altLang="en-US" smtClean="0"/>
               <a:t>2024/3/10</a:t>
             </a:fld>
@@ -1962,7 +1962,7 @@
           <p:cNvPr id="4" name="页脚占位符 3">
             <a:extLst>
               <a:ext uri="{FF2B5EF4-FFF2-40B4-BE49-F238E27FC236}">
-                <a16:creationId xmlns:a16="http://schemas.microsoft.com/office/drawing/2014/main" id="{EDB4F5BC-D1EA-8473-FB37-DA999CBFE9A5}"/>
+                <a16:creationId xmlns:a16="http://schemas.microsoft.com/office/drawing/2014/main" id="{AB6C6E49-8056-9070-34BF-CF06A7731D0B}"/>
               </a:ext>
             </a:extLst>
           </p:cNvPr>
@@ -1987,7 +1987,7 @@
           <p:cNvPr id="5" name="灯片编号占位符 4">
             <a:extLst>
               <a:ext uri="{FF2B5EF4-FFF2-40B4-BE49-F238E27FC236}">
-                <a16:creationId xmlns:a16="http://schemas.microsoft.com/office/drawing/2014/main" id="{64A66952-F0E0-75E6-B246-53FB948AFE26}"/>
+                <a16:creationId xmlns:a16="http://schemas.microsoft.com/office/drawing/2014/main" id="{6E2AA3EC-886F-A3FC-8B32-A64A875021F8}"/>
               </a:ext>
             </a:extLst>
           </p:cNvPr>
@@ -2003,7 +2003,7 @@
           <a:bodyPr/>
           <a:lstStyle/>
           <a:p>
-            <a:fld id="{97D54A3D-C85B-49F1-B5D6-626895737F6B}" type="slidenum">
+            <a:fld id="{17AEB14E-D84C-4C4F-9B32-DEB81BFF8D08}" type="slidenum">
               <a:rPr lang="zh-CN" altLang="en-US" smtClean="0"/>
               <a:t>‹#›</a:t>
             </a:fld>
@@ -2014,7 +2014,7 @@
     </p:spTree>
     <p:extLst>
       <p:ext uri="{BB962C8B-B14F-4D97-AF65-F5344CB8AC3E}">
-        <p14:creationId xmlns:p14="http://schemas.microsoft.com/office/powerpoint/2010/main" val="34804409"/>
+        <p14:creationId xmlns:p14="http://schemas.microsoft.com/office/powerpoint/2010/main" val="1726306502"/>
       </p:ext>
     </p:extLst>
   </p:cSld>
@@ -2046,7 +2046,7 @@
           <p:cNvPr id="2" name="日期占位符 1">
             <a:extLst>
               <a:ext uri="{FF2B5EF4-FFF2-40B4-BE49-F238E27FC236}">
-                <a16:creationId xmlns:a16="http://schemas.microsoft.com/office/drawing/2014/main" id="{532ACA83-D571-552F-A8C0-4E6E344F6486}"/>
+                <a16:creationId xmlns:a16="http://schemas.microsoft.com/office/drawing/2014/main" id="{E2F3A76C-845E-543A-0E55-A25699B888C4}"/>
               </a:ext>
             </a:extLst>
           </p:cNvPr>
@@ -2062,7 +2062,7 @@
           <a:bodyPr/>
           <a:lstStyle/>
           <a:p>
-            <a:fld id="{883EB93C-23C2-4470-9FB2-63771CEAB9DE}" type="datetimeFigureOut">
+            <a:fld id="{BC571F25-176B-44DB-9698-091DF6CAD952}" type="datetimeFigureOut">
               <a:rPr lang="zh-CN" altLang="en-US" smtClean="0"/>
               <a:t>2024/3/10</a:t>
             </a:fld>
@@ -2075,7 +2075,7 @@
           <p:cNvPr id="3" name="页脚占位符 2">
             <a:extLst>
               <a:ext uri="{FF2B5EF4-FFF2-40B4-BE49-F238E27FC236}">
-                <a16:creationId xmlns:a16="http://schemas.microsoft.com/office/drawing/2014/main" id="{0B0EB566-E0A4-19B0-CC64-66F8FC398252}"/>
+                <a16:creationId xmlns:a16="http://schemas.microsoft.com/office/drawing/2014/main" id="{0C16B0CA-11B6-DAC4-49E9-463503706137}"/>
               </a:ext>
             </a:extLst>
           </p:cNvPr>
@@ -2100,7 +2100,7 @@
           <p:cNvPr id="4" name="灯片编号占位符 3">
             <a:extLst>
               <a:ext uri="{FF2B5EF4-FFF2-40B4-BE49-F238E27FC236}">
-                <a16:creationId xmlns:a16="http://schemas.microsoft.com/office/drawing/2014/main" id="{BCFC2846-DA1A-E7F7-18CD-685001D9ED4A}"/>
+                <a16:creationId xmlns:a16="http://schemas.microsoft.com/office/drawing/2014/main" id="{0E9C7337-38D6-D45E-FA45-E4967F460B30}"/>
               </a:ext>
             </a:extLst>
           </p:cNvPr>
@@ -2116,7 +2116,7 @@
           <a:bodyPr/>
           <a:lstStyle/>
           <a:p>
-            <a:fld id="{97D54A3D-C85B-49F1-B5D6-626895737F6B}" type="slidenum">
+            <a:fld id="{17AEB14E-D84C-4C4F-9B32-DEB81BFF8D08}" type="slidenum">
               <a:rPr lang="zh-CN" altLang="en-US" smtClean="0"/>
               <a:t>‹#›</a:t>
             </a:fld>
@@ -2127,7 +2127,7 @@
     </p:spTree>
     <p:extLst>
       <p:ext uri="{BB962C8B-B14F-4D97-AF65-F5344CB8AC3E}">
-        <p14:creationId xmlns:p14="http://schemas.microsoft.com/office/powerpoint/2010/main" val="4170026001"/>
+        <p14:creationId xmlns:p14="http://schemas.microsoft.com/office/powerpoint/2010/main" val="3719042597"/>
       </p:ext>
     </p:extLst>
   </p:cSld>
@@ -2159,7 +2159,7 @@
           <p:cNvPr id="2" name="标题 1">
             <a:extLst>
               <a:ext uri="{FF2B5EF4-FFF2-40B4-BE49-F238E27FC236}">
-                <a16:creationId xmlns:a16="http://schemas.microsoft.com/office/drawing/2014/main" id="{3795DF88-FEA4-D2F1-E1CB-3F094C304F63}"/>
+                <a16:creationId xmlns:a16="http://schemas.microsoft.com/office/drawing/2014/main" id="{239308D6-0EF9-45A9-BB42-127A5AAE7212}"/>
               </a:ext>
             </a:extLst>
           </p:cNvPr>
@@ -2196,7 +2196,7 @@
           <p:cNvPr id="3" name="内容占位符 2">
             <a:extLst>
               <a:ext uri="{FF2B5EF4-FFF2-40B4-BE49-F238E27FC236}">
-                <a16:creationId xmlns:a16="http://schemas.microsoft.com/office/drawing/2014/main" id="{19D32372-95F8-37FA-E6AC-C56474E13EBD}"/>
+                <a16:creationId xmlns:a16="http://schemas.microsoft.com/office/drawing/2014/main" id="{45043CF5-A6FF-B769-2209-9D2988D49140}"/>
               </a:ext>
             </a:extLst>
           </p:cNvPr>
@@ -2286,7 +2286,7 @@
           <p:cNvPr id="4" name="文本占位符 3">
             <a:extLst>
               <a:ext uri="{FF2B5EF4-FFF2-40B4-BE49-F238E27FC236}">
-                <a16:creationId xmlns:a16="http://schemas.microsoft.com/office/drawing/2014/main" id="{6883C2BD-B75E-239F-B179-90B9B3CC19E1}"/>
+                <a16:creationId xmlns:a16="http://schemas.microsoft.com/office/drawing/2014/main" id="{C29373F6-B328-8CD5-6379-3E72788B2334}"/>
               </a:ext>
             </a:extLst>
           </p:cNvPr>
@@ -2357,7 +2357,7 @@
           <p:cNvPr id="5" name="日期占位符 4">
             <a:extLst>
               <a:ext uri="{FF2B5EF4-FFF2-40B4-BE49-F238E27FC236}">
-                <a16:creationId xmlns:a16="http://schemas.microsoft.com/office/drawing/2014/main" id="{5AE2EC85-36E5-023A-D7CD-AB1BCBF25E26}"/>
+                <a16:creationId xmlns:a16="http://schemas.microsoft.com/office/drawing/2014/main" id="{FC976D49-C4B0-5C2A-2296-FCF5A963DFD9}"/>
               </a:ext>
             </a:extLst>
           </p:cNvPr>
@@ -2373,7 +2373,7 @@
           <a:bodyPr/>
           <a:lstStyle/>
           <a:p>
-            <a:fld id="{883EB93C-23C2-4470-9FB2-63771CEAB9DE}" type="datetimeFigureOut">
+            <a:fld id="{BC571F25-176B-44DB-9698-091DF6CAD952}" type="datetimeFigureOut">
               <a:rPr lang="zh-CN" altLang="en-US" smtClean="0"/>
               <a:t>2024/3/10</a:t>
             </a:fld>
@@ -2386,7 +2386,7 @@
           <p:cNvPr id="6" name="页脚占位符 5">
             <a:extLst>
               <a:ext uri="{FF2B5EF4-FFF2-40B4-BE49-F238E27FC236}">
-                <a16:creationId xmlns:a16="http://schemas.microsoft.com/office/drawing/2014/main" id="{CFCE5165-8A22-0F92-EC80-82217A997F37}"/>
+                <a16:creationId xmlns:a16="http://schemas.microsoft.com/office/drawing/2014/main" id="{2E8C8691-5A5F-E987-24AC-61F5096A9821}"/>
               </a:ext>
             </a:extLst>
           </p:cNvPr>
@@ -2411,7 +2411,7 @@
           <p:cNvPr id="7" name="灯片编号占位符 6">
             <a:extLst>
               <a:ext uri="{FF2B5EF4-FFF2-40B4-BE49-F238E27FC236}">
-                <a16:creationId xmlns:a16="http://schemas.microsoft.com/office/drawing/2014/main" id="{8F23486E-BB0A-47F7-42E7-CDE35326C984}"/>
+                <a16:creationId xmlns:a16="http://schemas.microsoft.com/office/drawing/2014/main" id="{386A11C7-D02A-5BD9-B063-60E7E5B236F0}"/>
               </a:ext>
             </a:extLst>
           </p:cNvPr>
@@ -2427,7 +2427,7 @@
           <a:bodyPr/>
           <a:lstStyle/>
           <a:p>
-            <a:fld id="{97D54A3D-C85B-49F1-B5D6-626895737F6B}" type="slidenum">
+            <a:fld id="{17AEB14E-D84C-4C4F-9B32-DEB81BFF8D08}" type="slidenum">
               <a:rPr lang="zh-CN" altLang="en-US" smtClean="0"/>
               <a:t>‹#›</a:t>
             </a:fld>
@@ -2438,7 +2438,7 @@
     </p:spTree>
     <p:extLst>
       <p:ext uri="{BB962C8B-B14F-4D97-AF65-F5344CB8AC3E}">
-        <p14:creationId xmlns:p14="http://schemas.microsoft.com/office/powerpoint/2010/main" val="2585025561"/>
+        <p14:creationId xmlns:p14="http://schemas.microsoft.com/office/powerpoint/2010/main" val="1267713640"/>
       </p:ext>
     </p:extLst>
   </p:cSld>
@@ -2470,7 +2470,7 @@
           <p:cNvPr id="2" name="标题 1">
             <a:extLst>
               <a:ext uri="{FF2B5EF4-FFF2-40B4-BE49-F238E27FC236}">
-                <a16:creationId xmlns:a16="http://schemas.microsoft.com/office/drawing/2014/main" id="{E7B64A55-30A3-1679-2289-C1084D4F4215}"/>
+                <a16:creationId xmlns:a16="http://schemas.microsoft.com/office/drawing/2014/main" id="{5D55B733-7189-480C-4A0F-888EE8DDDD15}"/>
               </a:ext>
             </a:extLst>
           </p:cNvPr>
@@ -2507,7 +2507,7 @@
           <p:cNvPr id="3" name="图片占位符 2">
             <a:extLst>
               <a:ext uri="{FF2B5EF4-FFF2-40B4-BE49-F238E27FC236}">
-                <a16:creationId xmlns:a16="http://schemas.microsoft.com/office/drawing/2014/main" id="{B1FE477D-7895-70F9-1DFB-0FB6AAEB604E}"/>
+                <a16:creationId xmlns:a16="http://schemas.microsoft.com/office/drawing/2014/main" id="{1100E374-C0EB-7BEB-6C6C-06B75B4630FC}"/>
               </a:ext>
             </a:extLst>
           </p:cNvPr>
@@ -2574,7 +2574,7 @@
           <p:cNvPr id="4" name="文本占位符 3">
             <a:extLst>
               <a:ext uri="{FF2B5EF4-FFF2-40B4-BE49-F238E27FC236}">
-                <a16:creationId xmlns:a16="http://schemas.microsoft.com/office/drawing/2014/main" id="{7B3D0680-B373-974B-1D4B-AB8DE11C45AB}"/>
+                <a16:creationId xmlns:a16="http://schemas.microsoft.com/office/drawing/2014/main" id="{57AF15B4-9D62-AD30-507D-0770F045828C}"/>
               </a:ext>
             </a:extLst>
           </p:cNvPr>
@@ -2645,7 +2645,7 @@
           <p:cNvPr id="5" name="日期占位符 4">
             <a:extLst>
               <a:ext uri="{FF2B5EF4-FFF2-40B4-BE49-F238E27FC236}">
-                <a16:creationId xmlns:a16="http://schemas.microsoft.com/office/drawing/2014/main" id="{D8795C1D-F8F7-4F44-8984-D2DDF482170E}"/>
+                <a16:creationId xmlns:a16="http://schemas.microsoft.com/office/drawing/2014/main" id="{36664134-2056-F9A8-F824-73679DFC3FD6}"/>
               </a:ext>
             </a:extLst>
           </p:cNvPr>
@@ -2661,7 +2661,7 @@
           <a:bodyPr/>
           <a:lstStyle/>
           <a:p>
-            <a:fld id="{883EB93C-23C2-4470-9FB2-63771CEAB9DE}" type="datetimeFigureOut">
+            <a:fld id="{BC571F25-176B-44DB-9698-091DF6CAD952}" type="datetimeFigureOut">
               <a:rPr lang="zh-CN" altLang="en-US" smtClean="0"/>
               <a:t>2024/3/10</a:t>
             </a:fld>
@@ -2674,7 +2674,7 @@
           <p:cNvPr id="6" name="页脚占位符 5">
             <a:extLst>
               <a:ext uri="{FF2B5EF4-FFF2-40B4-BE49-F238E27FC236}">
-                <a16:creationId xmlns:a16="http://schemas.microsoft.com/office/drawing/2014/main" id="{096BBD47-530E-803D-B679-A2F0E9232278}"/>
+                <a16:creationId xmlns:a16="http://schemas.microsoft.com/office/drawing/2014/main" id="{8DF3A0B8-9204-4EF5-B3A5-E1F9E4CEC8C7}"/>
               </a:ext>
             </a:extLst>
           </p:cNvPr>
@@ -2699,7 +2699,7 @@
           <p:cNvPr id="7" name="灯片编号占位符 6">
             <a:extLst>
               <a:ext uri="{FF2B5EF4-FFF2-40B4-BE49-F238E27FC236}">
-                <a16:creationId xmlns:a16="http://schemas.microsoft.com/office/drawing/2014/main" id="{523B1DE0-1236-2226-7CF8-672BCC2E09E5}"/>
+                <a16:creationId xmlns:a16="http://schemas.microsoft.com/office/drawing/2014/main" id="{A099C475-214C-7A50-0354-451246CFF2B1}"/>
               </a:ext>
             </a:extLst>
           </p:cNvPr>
@@ -2715,7 +2715,7 @@
           <a:bodyPr/>
           <a:lstStyle/>
           <a:p>
-            <a:fld id="{97D54A3D-C85B-49F1-B5D6-626895737F6B}" type="slidenum">
+            <a:fld id="{17AEB14E-D84C-4C4F-9B32-DEB81BFF8D08}" type="slidenum">
               <a:rPr lang="zh-CN" altLang="en-US" smtClean="0"/>
               <a:t>‹#›</a:t>
             </a:fld>
@@ -2726,7 +2726,7 @@
     </p:spTree>
     <p:extLst>
       <p:ext uri="{BB962C8B-B14F-4D97-AF65-F5344CB8AC3E}">
-        <p14:creationId xmlns:p14="http://schemas.microsoft.com/office/powerpoint/2010/main" val="624735405"/>
+        <p14:creationId xmlns:p14="http://schemas.microsoft.com/office/powerpoint/2010/main" val="2165276629"/>
       </p:ext>
     </p:extLst>
   </p:cSld>
@@ -2763,7 +2763,7 @@
           <p:cNvPr id="2" name="标题占位符 1">
             <a:extLst>
               <a:ext uri="{FF2B5EF4-FFF2-40B4-BE49-F238E27FC236}">
-                <a16:creationId xmlns:a16="http://schemas.microsoft.com/office/drawing/2014/main" id="{5CA5776C-0718-0F5F-C4A0-287A51C2FB1E}"/>
+                <a16:creationId xmlns:a16="http://schemas.microsoft.com/office/drawing/2014/main" id="{741320E1-BEB8-CE6E-8363-7D871B6469CA}"/>
               </a:ext>
             </a:extLst>
           </p:cNvPr>
@@ -2801,7 +2801,7 @@
           <p:cNvPr id="3" name="文本占位符 2">
             <a:extLst>
               <a:ext uri="{FF2B5EF4-FFF2-40B4-BE49-F238E27FC236}">
-                <a16:creationId xmlns:a16="http://schemas.microsoft.com/office/drawing/2014/main" id="{72AAAD08-4630-EB95-F858-3458495A0686}"/>
+                <a16:creationId xmlns:a16="http://schemas.microsoft.com/office/drawing/2014/main" id="{77DACA47-180B-9CCC-CB6F-BD08B4FAAF58}"/>
               </a:ext>
             </a:extLst>
           </p:cNvPr>
@@ -2868,7 +2868,7 @@
           <p:cNvPr id="4" name="日期占位符 3">
             <a:extLst>
               <a:ext uri="{FF2B5EF4-FFF2-40B4-BE49-F238E27FC236}">
-                <a16:creationId xmlns:a16="http://schemas.microsoft.com/office/drawing/2014/main" id="{C3A00969-843B-3C2D-4C57-EC0ACAFB55A2}"/>
+                <a16:creationId xmlns:a16="http://schemas.microsoft.com/office/drawing/2014/main" id="{AC3B778B-9605-F025-E346-29E1E28977F9}"/>
               </a:ext>
             </a:extLst>
           </p:cNvPr>
@@ -2902,7 +2902,7 @@
             </a:lvl1pPr>
           </a:lstStyle>
           <a:p>
-            <a:fld id="{883EB93C-23C2-4470-9FB2-63771CEAB9DE}" type="datetimeFigureOut">
+            <a:fld id="{BC571F25-176B-44DB-9698-091DF6CAD952}" type="datetimeFigureOut">
               <a:rPr lang="zh-CN" altLang="en-US" smtClean="0"/>
               <a:t>2024/3/10</a:t>
             </a:fld>
@@ -2915,7 +2915,7 @@
           <p:cNvPr id="5" name="页脚占位符 4">
             <a:extLst>
               <a:ext uri="{FF2B5EF4-FFF2-40B4-BE49-F238E27FC236}">
-                <a16:creationId xmlns:a16="http://schemas.microsoft.com/office/drawing/2014/main" id="{63ACEC14-5A71-9652-E4D1-E7C6FB340D6D}"/>
+                <a16:creationId xmlns:a16="http://schemas.microsoft.com/office/drawing/2014/main" id="{B19F678B-991B-FAEB-CF7D-61495A333DE7}"/>
               </a:ext>
             </a:extLst>
           </p:cNvPr>
@@ -2958,7 +2958,7 @@
           <p:cNvPr id="6" name="灯片编号占位符 5">
             <a:extLst>
               <a:ext uri="{FF2B5EF4-FFF2-40B4-BE49-F238E27FC236}">
-                <a16:creationId xmlns:a16="http://schemas.microsoft.com/office/drawing/2014/main" id="{734B54CE-C12A-BA48-8E6C-7BEEC311A3F2}"/>
+                <a16:creationId xmlns:a16="http://schemas.microsoft.com/office/drawing/2014/main" id="{E5CC2E3D-5EEB-81BB-2028-6EC2559B3656}"/>
               </a:ext>
             </a:extLst>
           </p:cNvPr>
@@ -2992,7 +2992,7 @@
             </a:lvl1pPr>
           </a:lstStyle>
           <a:p>
-            <a:fld id="{97D54A3D-C85B-49F1-B5D6-626895737F6B}" type="slidenum">
+            <a:fld id="{17AEB14E-D84C-4C4F-9B32-DEB81BFF8D08}" type="slidenum">
               <a:rPr lang="zh-CN" altLang="en-US" smtClean="0"/>
               <a:t>‹#›</a:t>
             </a:fld>
@@ -3003,7 +3003,7 @@
     </p:spTree>
     <p:extLst>
       <p:ext uri="{BB962C8B-B14F-4D97-AF65-F5344CB8AC3E}">
-        <p14:creationId xmlns:p14="http://schemas.microsoft.com/office/powerpoint/2010/main" val="1234528313"/>
+        <p14:creationId xmlns:p14="http://schemas.microsoft.com/office/powerpoint/2010/main" val="3490496702"/>
       </p:ext>
     </p:extLst>
   </p:cSld>
